--- a/img/blind.pptx
+++ b/img/blind.pptx
@@ -151,7 +151,7 @@
       </p14:sectionLst>
     </p:ext>
     <p:ext uri="{EFAFB233-063F-42B5-8137-9DF3F51BA10A}">
-      <p15:sldGuideLst xmlns="" xmlns:p15="http://schemas.microsoft.com/office/powerpoint/2012/main">
+      <p15:sldGuideLst xmlns:p15="http://schemas.microsoft.com/office/powerpoint/2012/main" xmlns="">
         <p15:guide id="1" orient="horz" pos="2160">
           <p15:clr>
             <a:srgbClr val="A4A3A4"/>
@@ -165,7 +165,7 @@
       </p15:sldGuideLst>
     </p:ext>
     <p:ext uri="{2D200454-40CA-4A62-9FC3-DE9A4176ACB9}">
-      <p15:notesGuideLst xmlns="" xmlns:p15="http://schemas.microsoft.com/office/powerpoint/2012/main">
+      <p15:notesGuideLst xmlns:p15="http://schemas.microsoft.com/office/powerpoint/2012/main" xmlns="">
         <p15:guide id="1" orient="horz" pos="3223">
           <p15:clr>
             <a:srgbClr val="A4A3A4"/>
@@ -1988,108 +1988,58 @@
           </a:fontRef>
         </p:style>
       </p:cxnSp>
+      <p:sp>
+        <p:nvSpPr>
+          <p:cNvPr id="92" name="テキスト ボックス 91"/>
+          <p:cNvSpPr txBox="1"/>
+          <p:nvPr/>
+        </p:nvSpPr>
+        <p:spPr>
+          <a:xfrm>
+            <a:off x="1421904" y="189756"/>
+            <a:ext cx="484574" cy="212794"/>
+          </a:xfrm>
+          <a:prstGeom prst="rect">
+            <a:avLst/>
+          </a:prstGeom>
+          <a:noFill/>
+          <a:ln w="19050" cap="rnd">
+            <a:noFill/>
+            <a:prstDash val="sysDash"/>
+          </a:ln>
+        </p:spPr>
+        <p:txBody>
+          <a:bodyPr wrap="none" lIns="43094" tIns="21548" rIns="43094" bIns="21548" rtlCol="0">
+            <a:spAutoFit/>
+          </a:bodyPr>
+          <a:lstStyle/>
+          <a:p>
+            <a:r>
+              <a:rPr lang="en-US" altLang="ja-JP" sz="1050" smtClean="0">
+                <a:latin typeface="HG丸ｺﾞｼｯｸM-PRO" panose="020F0600000000000000" pitchFamily="50" charset="-128"/>
+                <a:ea typeface="HG丸ｺﾞｼｯｸM-PRO" panose="020F0600000000000000" pitchFamily="50" charset="-128"/>
+                <a:cs typeface="Courier New" pitchFamily="49" charset="0"/>
+              </a:rPr>
+              <a:t>A</a:t>
+            </a:r>
+            <a:r>
+              <a:rPr lang="ja-JP" altLang="en-US" sz="1050" smtClean="0">
+                <a:latin typeface="HG丸ｺﾞｼｯｸM-PRO" panose="020F0600000000000000" pitchFamily="50" charset="-128"/>
+                <a:ea typeface="HG丸ｺﾞｼｯｸM-PRO" panose="020F0600000000000000" pitchFamily="50" charset="-128"/>
+                <a:cs typeface="Courier New" pitchFamily="49" charset="0"/>
+              </a:rPr>
+              <a:t>さん</a:t>
+            </a:r>
+            <a:endParaRPr lang="ja-JP" altLang="en-US" sz="1050">
+              <a:latin typeface="HG丸ｺﾞｼｯｸM-PRO" panose="020F0600000000000000" pitchFamily="50" charset="-128"/>
+              <a:ea typeface="HG丸ｺﾞｼｯｸM-PRO" panose="020F0600000000000000" pitchFamily="50" charset="-128"/>
+              <a:cs typeface="Courier New" pitchFamily="49" charset="0"/>
+            </a:endParaRPr>
+          </a:p>
+        </p:txBody>
+      </p:sp>
       <mc:AlternateContent xmlns:mc="http://schemas.openxmlformats.org/markup-compatibility/2006" xmlns:a14="http://schemas.microsoft.com/office/drawing/2010/main">
         <mc:Choice Requires="a14">
-          <p:sp>
-            <p:nvSpPr>
-              <p:cNvPr id="92" name="テキスト ボックス 91"/>
-              <p:cNvSpPr txBox="1"/>
-              <p:nvPr/>
-            </p:nvSpPr>
-            <p:spPr>
-              <a:xfrm>
-                <a:off x="1421904" y="189756"/>
-                <a:ext cx="494064" cy="228183"/>
-              </a:xfrm>
-              <a:prstGeom prst="rect">
-                <a:avLst/>
-              </a:prstGeom>
-              <a:noFill/>
-              <a:ln w="19050" cap="rnd">
-                <a:noFill/>
-                <a:prstDash val="sysDash"/>
-              </a:ln>
-            </p:spPr>
-            <p:txBody>
-              <a:bodyPr wrap="none" lIns="43094" tIns="21548" rIns="43094" bIns="21548" rtlCol="0">
-                <a:spAutoFit/>
-              </a:bodyPr>
-              <a:lstStyle/>
-              <a:p>
-                <a14:m>
-                  <m:oMath xmlns:m="http://schemas.openxmlformats.org/officeDocument/2006/math">
-                    <m:r>
-                      <a:rPr lang="en-US" altLang="ja-JP" sz="1200" b="0" i="1" smtClean="0">
-                        <a:latin typeface="Cambria Math"/>
-                        <a:ea typeface="HG丸ｺﾞｼｯｸM-PRO" panose="020F0600000000000000" pitchFamily="50" charset="-128"/>
-                        <a:cs typeface="Courier New" pitchFamily="49" charset="0"/>
-                      </a:rPr>
-                      <m:t>𝐴</m:t>
-                    </m:r>
-                  </m:oMath>
-                </a14:m>
-                <a:r>
-                  <a:rPr lang="ja-JP" altLang="en-US" sz="1200" smtClean="0">
-                    <a:latin typeface="HG丸ｺﾞｼｯｸM-PRO" panose="020F0600000000000000" pitchFamily="50" charset="-128"/>
-                    <a:ea typeface="HG丸ｺﾞｼｯｸM-PRO" panose="020F0600000000000000" pitchFamily="50" charset="-128"/>
-                    <a:cs typeface="Courier New" pitchFamily="49" charset="0"/>
-                  </a:rPr>
-                  <a:t>さん</a:t>
-                </a:r>
-                <a:endParaRPr lang="ja-JP" altLang="en-US" sz="1200">
-                  <a:latin typeface="HG丸ｺﾞｼｯｸM-PRO" panose="020F0600000000000000" pitchFamily="50" charset="-128"/>
-                  <a:ea typeface="HG丸ｺﾞｼｯｸM-PRO" panose="020F0600000000000000" pitchFamily="50" charset="-128"/>
-                  <a:cs typeface="Courier New" pitchFamily="49" charset="0"/>
-                </a:endParaRPr>
-              </a:p>
-            </p:txBody>
-          </p:sp>
-        </mc:Choice>
-        <mc:Fallback xmlns="">
-          <p:sp>
-            <p:nvSpPr>
-              <p:cNvPr id="92" name="テキスト ボックス 91"/>
-              <p:cNvSpPr txBox="1">
-                <a:spLocks noRot="1" noChangeAspect="1" noMove="1" noResize="1" noEditPoints="1" noAdjustHandles="1" noChangeArrowheads="1" noChangeShapeType="1" noTextEdit="1"/>
-              </p:cNvSpPr>
-              <p:nvPr/>
-            </p:nvSpPr>
-            <p:spPr>
-              <a:xfrm>
-                <a:off x="1421904" y="189756"/>
-                <a:ext cx="494064" cy="228183"/>
-              </a:xfrm>
-              <a:prstGeom prst="rect">
-                <a:avLst/>
-              </a:prstGeom>
-              <a:blipFill rotWithShape="1">
-                <a:blip r:embed="rId2"/>
-                <a:stretch>
-                  <a:fillRect l="-1235" t="-10526" r="-9877" b="-28947"/>
-                </a:stretch>
-              </a:blipFill>
-              <a:ln w="19050" cap="rnd">
-                <a:noFill/>
-                <a:prstDash val="sysDash"/>
-              </a:ln>
-            </p:spPr>
-            <p:txBody>
-              <a:bodyPr/>
-              <a:lstStyle/>
-              <a:p>
-                <a:r>
-                  <a:rPr lang="ja-JP" altLang="en-US">
-                    <a:noFill/>
-                  </a:rPr>
-                  <a:t> </a:t>
-                </a:r>
-              </a:p>
-            </p:txBody>
-          </p:sp>
-        </mc:Fallback>
-      </mc:AlternateContent>
-      <mc:AlternateContent xmlns:mc="http://schemas.openxmlformats.org/markup-compatibility/2006">
-        <mc:Choice xmlns:a14="http://schemas.microsoft.com/office/drawing/2010/main" Requires="a14">
           <p:sp>
             <p:nvSpPr>
               <p:cNvPr id="93" name="テキスト ボックス 92"/>
@@ -2134,15 +2084,7 @@
                     <a:ea typeface="HG丸ｺﾞｼｯｸM-PRO" panose="020F0600000000000000" pitchFamily="50" charset="-128"/>
                     <a:cs typeface="Courier New" pitchFamily="49" charset="0"/>
                   </a:rPr>
-                  <a:t>を封筒</a:t>
-                </a:r>
-                <a:r>
-                  <a:rPr lang="ja-JP" altLang="en-US" sz="1000" smtClean="0">
-                    <a:latin typeface="HG丸ｺﾞｼｯｸM-PRO" panose="020F0600000000000000" pitchFamily="50" charset="-128"/>
-                    <a:ea typeface="HG丸ｺﾞｼｯｸM-PRO" panose="020F0600000000000000" pitchFamily="50" charset="-128"/>
-                    <a:cs typeface="Courier New" pitchFamily="49" charset="0"/>
-                  </a:rPr>
-                  <a:t>に入れる</a:t>
+                  <a:t>を封筒に入れる</a:t>
                 </a:r>
                 <a:endParaRPr lang="en-US" altLang="ja-JP" sz="1000" smtClean="0">
                   <a:latin typeface="HG丸ｺﾞｼｯｸM-PRO" panose="020F0600000000000000" pitchFamily="50" charset="-128"/>
@@ -2168,7 +2110,7 @@
             </p:txBody>
           </p:sp>
         </mc:Choice>
-        <mc:Fallback>
+        <mc:Fallback xmlns="">
           <p:sp>
             <p:nvSpPr>
               <p:cNvPr id="93" name="テキスト ボックス 92"/>
@@ -2250,106 +2192,56 @@
           </a:fontRef>
         </p:style>
       </p:cxnSp>
-      <mc:AlternateContent xmlns:mc="http://schemas.openxmlformats.org/markup-compatibility/2006" xmlns:a14="http://schemas.microsoft.com/office/drawing/2010/main">
-        <mc:Choice Requires="a14">
-          <p:sp>
-            <p:nvSpPr>
-              <p:cNvPr id="103" name="テキスト ボックス 102"/>
-              <p:cNvSpPr txBox="1"/>
-              <p:nvPr/>
-            </p:nvSpPr>
-            <p:spPr>
-              <a:xfrm>
-                <a:off x="2471016" y="189756"/>
-                <a:ext cx="499900" cy="228183"/>
-              </a:xfrm>
-              <a:prstGeom prst="rect">
-                <a:avLst/>
-              </a:prstGeom>
-              <a:noFill/>
-              <a:ln w="19050" cap="rnd">
-                <a:noFill/>
-                <a:prstDash val="sysDash"/>
-              </a:ln>
-            </p:spPr>
-            <p:txBody>
-              <a:bodyPr wrap="none" lIns="43094" tIns="21548" rIns="43094" bIns="21548" rtlCol="0">
-                <a:spAutoFit/>
-              </a:bodyPr>
-              <a:lstStyle/>
-              <a:p>
-                <a14:m>
-                  <m:oMath xmlns:m="http://schemas.openxmlformats.org/officeDocument/2006/math">
-                    <m:r>
-                      <a:rPr lang="en-US" altLang="ja-JP" sz="1200" b="0" i="1" smtClean="0">
-                        <a:latin typeface="Cambria Math"/>
-                        <a:ea typeface="HG丸ｺﾞｼｯｸM-PRO" panose="020F0600000000000000" pitchFamily="50" charset="-128"/>
-                        <a:cs typeface="Courier New" pitchFamily="49" charset="0"/>
-                      </a:rPr>
-                      <m:t>𝐵</m:t>
-                    </m:r>
-                  </m:oMath>
-                </a14:m>
-                <a:r>
-                  <a:rPr lang="ja-JP" altLang="en-US" sz="1200" smtClean="0">
-                    <a:latin typeface="HG丸ｺﾞｼｯｸM-PRO" panose="020F0600000000000000" pitchFamily="50" charset="-128"/>
-                    <a:ea typeface="HG丸ｺﾞｼｯｸM-PRO" panose="020F0600000000000000" pitchFamily="50" charset="-128"/>
-                    <a:cs typeface="Courier New" pitchFamily="49" charset="0"/>
-                  </a:rPr>
-                  <a:t>さん</a:t>
-                </a:r>
-                <a:endParaRPr lang="ja-JP" altLang="en-US" sz="1200">
-                  <a:latin typeface="HG丸ｺﾞｼｯｸM-PRO" panose="020F0600000000000000" pitchFamily="50" charset="-128"/>
-                  <a:ea typeface="HG丸ｺﾞｼｯｸM-PRO" panose="020F0600000000000000" pitchFamily="50" charset="-128"/>
-                  <a:cs typeface="Courier New" pitchFamily="49" charset="0"/>
-                </a:endParaRPr>
-              </a:p>
-            </p:txBody>
-          </p:sp>
-        </mc:Choice>
-        <mc:Fallback xmlns="">
-          <p:sp>
-            <p:nvSpPr>
-              <p:cNvPr id="103" name="テキスト ボックス 102"/>
-              <p:cNvSpPr txBox="1">
-                <a:spLocks noRot="1" noChangeAspect="1" noMove="1" noResize="1" noEditPoints="1" noAdjustHandles="1" noChangeArrowheads="1" noChangeShapeType="1" noTextEdit="1"/>
-              </p:cNvSpPr>
-              <p:nvPr/>
-            </p:nvSpPr>
-            <p:spPr>
-              <a:xfrm>
-                <a:off x="2471016" y="189756"/>
-                <a:ext cx="499900" cy="228183"/>
-              </a:xfrm>
-              <a:prstGeom prst="rect">
-                <a:avLst/>
-              </a:prstGeom>
-              <a:blipFill rotWithShape="1">
-                <a:blip r:embed="rId4"/>
-                <a:stretch>
-                  <a:fillRect l="-1220" t="-10526" r="-9756" b="-28947"/>
-                </a:stretch>
-              </a:blipFill>
-              <a:ln w="19050" cap="rnd">
-                <a:noFill/>
-                <a:prstDash val="sysDash"/>
-              </a:ln>
-            </p:spPr>
-            <p:txBody>
-              <a:bodyPr/>
-              <a:lstStyle/>
-              <a:p>
-                <a:r>
-                  <a:rPr lang="ja-JP" altLang="en-US">
-                    <a:noFill/>
-                  </a:rPr>
-                  <a:t> </a:t>
-                </a:r>
-              </a:p>
-            </p:txBody>
-          </p:sp>
-        </mc:Fallback>
-      </mc:AlternateContent>
+      <p:sp>
+        <p:nvSpPr>
+          <p:cNvPr id="103" name="テキスト ボックス 102"/>
+          <p:cNvSpPr txBox="1"/>
+          <p:nvPr/>
+        </p:nvSpPr>
+        <p:spPr>
+          <a:xfrm>
+            <a:off x="2471016" y="189756"/>
+            <a:ext cx="474956" cy="212794"/>
+          </a:xfrm>
+          <a:prstGeom prst="rect">
+            <a:avLst/>
+          </a:prstGeom>
+          <a:noFill/>
+          <a:ln w="19050" cap="rnd">
+            <a:noFill/>
+            <a:prstDash val="sysDash"/>
+          </a:ln>
+        </p:spPr>
+        <p:txBody>
+          <a:bodyPr wrap="none" lIns="43094" tIns="21548" rIns="43094" bIns="21548" rtlCol="0">
+            <a:spAutoFit/>
+          </a:bodyPr>
+          <a:lstStyle/>
+          <a:p>
+            <a:r>
+              <a:rPr lang="en-US" altLang="ja-JP" sz="1050" smtClean="0">
+                <a:latin typeface="HG丸ｺﾞｼｯｸM-PRO" panose="020F0600000000000000" pitchFamily="50" charset="-128"/>
+                <a:ea typeface="HG丸ｺﾞｼｯｸM-PRO" panose="020F0600000000000000" pitchFamily="50" charset="-128"/>
+                <a:cs typeface="Courier New" pitchFamily="49" charset="0"/>
+              </a:rPr>
+              <a:t>B</a:t>
+            </a:r>
+            <a:r>
+              <a:rPr lang="ja-JP" altLang="en-US" sz="1050" smtClean="0">
+                <a:latin typeface="HG丸ｺﾞｼｯｸM-PRO" panose="020F0600000000000000" pitchFamily="50" charset="-128"/>
+                <a:ea typeface="HG丸ｺﾞｼｯｸM-PRO" panose="020F0600000000000000" pitchFamily="50" charset="-128"/>
+                <a:cs typeface="Courier New" pitchFamily="49" charset="0"/>
+              </a:rPr>
+              <a:t>さん</a:t>
+            </a:r>
+            <a:endParaRPr lang="ja-JP" altLang="en-US" sz="1050">
+              <a:latin typeface="HG丸ｺﾞｼｯｸM-PRO" panose="020F0600000000000000" pitchFamily="50" charset="-128"/>
+              <a:ea typeface="HG丸ｺﾞｼｯｸM-PRO" panose="020F0600000000000000" pitchFamily="50" charset="-128"/>
+              <a:cs typeface="Courier New" pitchFamily="49" charset="0"/>
+            </a:endParaRPr>
+          </a:p>
+        </p:txBody>
+      </p:sp>
       <p:sp>
         <p:nvSpPr>
           <p:cNvPr id="104" name="テキスト ボックス 103"/>
@@ -3529,15 +3421,7 @@
                 <a:ea typeface="HG丸ｺﾞｼｯｸM-PRO" panose="020F0600000000000000" pitchFamily="50" charset="-128"/>
                 <a:cs typeface="Courier New" pitchFamily="49" charset="0"/>
               </a:rPr>
-              <a:t>中を</a:t>
-            </a:r>
-            <a:r>
-              <a:rPr lang="ja-JP" altLang="en-US" sz="1000" smtClean="0">
-                <a:latin typeface="HG丸ｺﾞｼｯｸM-PRO" panose="020F0600000000000000" pitchFamily="50" charset="-128"/>
-                <a:ea typeface="HG丸ｺﾞｼｯｸM-PRO" panose="020F0600000000000000" pitchFamily="50" charset="-128"/>
-                <a:cs typeface="Courier New" pitchFamily="49" charset="0"/>
-              </a:rPr>
-              <a:t>取り出す</a:t>
+              <a:t>中を取り出す</a:t>
             </a:r>
             <a:endParaRPr lang="en-US" altLang="ja-JP" sz="1000" smtClean="0">
               <a:latin typeface="HG丸ｺﾞｼｯｸM-PRO" panose="020F0600000000000000" pitchFamily="50" charset="-128"/>
